--- a/doc/res/drawings.pptx
+++ b/doc/res/drawings.pptx
@@ -6,6 +6,7 @@
   </p:sldMasterIdLst>
   <p:sldIdLst>
     <p:sldId id="256" r:id="rId2"/>
+    <p:sldId id="257" r:id="rId3"/>
   </p:sldIdLst>
   <p:sldSz cx="12192000" cy="6858000"/>
   <p:notesSz cx="6858000" cy="9144000"/>
@@ -104,6 +105,11 @@
       </a:defRPr>
     </a:lvl9pPr>
   </p:defaultTextStyle>
+  <p:extLst>
+    <p:ext uri="{EFAFB233-063F-42B5-8137-9DF3F51BA10A}">
+      <p15:sldGuideLst xmlns:p15="http://schemas.microsoft.com/office/powerpoint/2012/main"/>
+    </p:ext>
+  </p:extLst>
 </p:presentation>
 </file>
 
@@ -256,7 +262,7 @@
           <a:p>
             <a:fld id="{2A8A635A-AE53-49D4-A1FF-17189CCFF7DA}" type="datetimeFigureOut">
               <a:rPr lang="en-AT" smtClean="0"/>
-              <a:t>11/04/2022</a:t>
+              <a:t>20/08/2022</a:t>
             </a:fld>
             <a:endParaRPr lang="en-AT"/>
           </a:p>
@@ -310,7 +316,7 @@
           <a:p>
             <a:fld id="{5EC5D5F0-EE73-4712-BD58-8610D55E64AD}" type="slidenum">
               <a:rPr lang="en-AT" smtClean="0"/>
-              <a:t>‹#›</a:t>
+              <a:t>‹Nr.›</a:t>
             </a:fld>
             <a:endParaRPr lang="en-AT"/>
           </a:p>
@@ -456,7 +462,7 @@
           <a:p>
             <a:fld id="{2A8A635A-AE53-49D4-A1FF-17189CCFF7DA}" type="datetimeFigureOut">
               <a:rPr lang="en-AT" smtClean="0"/>
-              <a:t>11/04/2022</a:t>
+              <a:t>20/08/2022</a:t>
             </a:fld>
             <a:endParaRPr lang="en-AT"/>
           </a:p>
@@ -510,7 +516,7 @@
           <a:p>
             <a:fld id="{5EC5D5F0-EE73-4712-BD58-8610D55E64AD}" type="slidenum">
               <a:rPr lang="en-AT" smtClean="0"/>
-              <a:t>‹#›</a:t>
+              <a:t>‹Nr.›</a:t>
             </a:fld>
             <a:endParaRPr lang="en-AT"/>
           </a:p>
@@ -666,7 +672,7 @@
           <a:p>
             <a:fld id="{2A8A635A-AE53-49D4-A1FF-17189CCFF7DA}" type="datetimeFigureOut">
               <a:rPr lang="en-AT" smtClean="0"/>
-              <a:t>11/04/2022</a:t>
+              <a:t>20/08/2022</a:t>
             </a:fld>
             <a:endParaRPr lang="en-AT"/>
           </a:p>
@@ -720,7 +726,7 @@
           <a:p>
             <a:fld id="{5EC5D5F0-EE73-4712-BD58-8610D55E64AD}" type="slidenum">
               <a:rPr lang="en-AT" smtClean="0"/>
-              <a:t>‹#›</a:t>
+              <a:t>‹Nr.›</a:t>
             </a:fld>
             <a:endParaRPr lang="en-AT"/>
           </a:p>
@@ -866,7 +872,7 @@
           <a:p>
             <a:fld id="{2A8A635A-AE53-49D4-A1FF-17189CCFF7DA}" type="datetimeFigureOut">
               <a:rPr lang="en-AT" smtClean="0"/>
-              <a:t>11/04/2022</a:t>
+              <a:t>20/08/2022</a:t>
             </a:fld>
             <a:endParaRPr lang="en-AT"/>
           </a:p>
@@ -920,7 +926,7 @@
           <a:p>
             <a:fld id="{5EC5D5F0-EE73-4712-BD58-8610D55E64AD}" type="slidenum">
               <a:rPr lang="en-AT" smtClean="0"/>
-              <a:t>‹#›</a:t>
+              <a:t>‹Nr.›</a:t>
             </a:fld>
             <a:endParaRPr lang="en-AT"/>
           </a:p>
@@ -1142,7 +1148,7 @@
           <a:p>
             <a:fld id="{2A8A635A-AE53-49D4-A1FF-17189CCFF7DA}" type="datetimeFigureOut">
               <a:rPr lang="en-AT" smtClean="0"/>
-              <a:t>11/04/2022</a:t>
+              <a:t>20/08/2022</a:t>
             </a:fld>
             <a:endParaRPr lang="en-AT"/>
           </a:p>
@@ -1196,7 +1202,7 @@
           <a:p>
             <a:fld id="{5EC5D5F0-EE73-4712-BD58-8610D55E64AD}" type="slidenum">
               <a:rPr lang="en-AT" smtClean="0"/>
-              <a:t>‹#›</a:t>
+              <a:t>‹Nr.›</a:t>
             </a:fld>
             <a:endParaRPr lang="en-AT"/>
           </a:p>
@@ -1410,7 +1416,7 @@
           <a:p>
             <a:fld id="{2A8A635A-AE53-49D4-A1FF-17189CCFF7DA}" type="datetimeFigureOut">
               <a:rPr lang="en-AT" smtClean="0"/>
-              <a:t>11/04/2022</a:t>
+              <a:t>20/08/2022</a:t>
             </a:fld>
             <a:endParaRPr lang="en-AT"/>
           </a:p>
@@ -1464,7 +1470,7 @@
           <a:p>
             <a:fld id="{5EC5D5F0-EE73-4712-BD58-8610D55E64AD}" type="slidenum">
               <a:rPr lang="en-AT" smtClean="0"/>
-              <a:t>‹#›</a:t>
+              <a:t>‹Nr.›</a:t>
             </a:fld>
             <a:endParaRPr lang="en-AT"/>
           </a:p>
@@ -1825,7 +1831,7 @@
           <a:p>
             <a:fld id="{2A8A635A-AE53-49D4-A1FF-17189CCFF7DA}" type="datetimeFigureOut">
               <a:rPr lang="en-AT" smtClean="0"/>
-              <a:t>11/04/2022</a:t>
+              <a:t>20/08/2022</a:t>
             </a:fld>
             <a:endParaRPr lang="en-AT"/>
           </a:p>
@@ -1879,7 +1885,7 @@
           <a:p>
             <a:fld id="{5EC5D5F0-EE73-4712-BD58-8610D55E64AD}" type="slidenum">
               <a:rPr lang="en-AT" smtClean="0"/>
-              <a:t>‹#›</a:t>
+              <a:t>‹Nr.›</a:t>
             </a:fld>
             <a:endParaRPr lang="en-AT"/>
           </a:p>
@@ -1967,7 +1973,7 @@
           <a:p>
             <a:fld id="{2A8A635A-AE53-49D4-A1FF-17189CCFF7DA}" type="datetimeFigureOut">
               <a:rPr lang="en-AT" smtClean="0"/>
-              <a:t>11/04/2022</a:t>
+              <a:t>20/08/2022</a:t>
             </a:fld>
             <a:endParaRPr lang="en-AT"/>
           </a:p>
@@ -2021,7 +2027,7 @@
           <a:p>
             <a:fld id="{5EC5D5F0-EE73-4712-BD58-8610D55E64AD}" type="slidenum">
               <a:rPr lang="en-AT" smtClean="0"/>
-              <a:t>‹#›</a:t>
+              <a:t>‹Nr.›</a:t>
             </a:fld>
             <a:endParaRPr lang="en-AT"/>
           </a:p>
@@ -2080,7 +2086,7 @@
           <a:p>
             <a:fld id="{2A8A635A-AE53-49D4-A1FF-17189CCFF7DA}" type="datetimeFigureOut">
               <a:rPr lang="en-AT" smtClean="0"/>
-              <a:t>11/04/2022</a:t>
+              <a:t>20/08/2022</a:t>
             </a:fld>
             <a:endParaRPr lang="en-AT"/>
           </a:p>
@@ -2134,7 +2140,7 @@
           <a:p>
             <a:fld id="{5EC5D5F0-EE73-4712-BD58-8610D55E64AD}" type="slidenum">
               <a:rPr lang="en-AT" smtClean="0"/>
-              <a:t>‹#›</a:t>
+              <a:t>‹Nr.›</a:t>
             </a:fld>
             <a:endParaRPr lang="en-AT"/>
           </a:p>
@@ -2393,7 +2399,7 @@
           <a:p>
             <a:fld id="{2A8A635A-AE53-49D4-A1FF-17189CCFF7DA}" type="datetimeFigureOut">
               <a:rPr lang="en-AT" smtClean="0"/>
-              <a:t>11/04/2022</a:t>
+              <a:t>20/08/2022</a:t>
             </a:fld>
             <a:endParaRPr lang="en-AT"/>
           </a:p>
@@ -2447,7 +2453,7 @@
           <a:p>
             <a:fld id="{5EC5D5F0-EE73-4712-BD58-8610D55E64AD}" type="slidenum">
               <a:rPr lang="en-AT" smtClean="0"/>
-              <a:t>‹#›</a:t>
+              <a:t>‹Nr.›</a:t>
             </a:fld>
             <a:endParaRPr lang="en-AT"/>
           </a:p>
@@ -2682,7 +2688,7 @@
           <a:p>
             <a:fld id="{2A8A635A-AE53-49D4-A1FF-17189CCFF7DA}" type="datetimeFigureOut">
               <a:rPr lang="en-AT" smtClean="0"/>
-              <a:t>11/04/2022</a:t>
+              <a:t>20/08/2022</a:t>
             </a:fld>
             <a:endParaRPr lang="en-AT"/>
           </a:p>
@@ -2736,7 +2742,7 @@
           <a:p>
             <a:fld id="{5EC5D5F0-EE73-4712-BD58-8610D55E64AD}" type="slidenum">
               <a:rPr lang="en-AT" smtClean="0"/>
-              <a:t>‹#›</a:t>
+              <a:t>‹Nr.›</a:t>
             </a:fld>
             <a:endParaRPr lang="en-AT"/>
           </a:p>
@@ -2925,7 +2931,7 @@
           <a:p>
             <a:fld id="{2A8A635A-AE53-49D4-A1FF-17189CCFF7DA}" type="datetimeFigureOut">
               <a:rPr lang="en-AT" smtClean="0"/>
-              <a:t>11/04/2022</a:t>
+              <a:t>20/08/2022</a:t>
             </a:fld>
             <a:endParaRPr lang="en-AT"/>
           </a:p>
@@ -3015,7 +3021,7 @@
           <a:p>
             <a:fld id="{5EC5D5F0-EE73-4712-BD58-8610D55E64AD}" type="slidenum">
               <a:rPr lang="en-AT" smtClean="0"/>
-              <a:t>‹#›</a:t>
+              <a:t>‹Nr.›</a:t>
             </a:fld>
             <a:endParaRPr lang="en-AT"/>
           </a:p>
@@ -4170,6 +4176,328 @@
 </p:sld>
 </file>
 
+<file path=ppt/slides/slide2.xml><?xml version="1.0" encoding="utf-8"?>
+<p:sld xmlns:a="http://schemas.openxmlformats.org/drawingml/2006/main" xmlns:r="http://schemas.openxmlformats.org/officeDocument/2006/relationships" xmlns:p="http://schemas.openxmlformats.org/presentationml/2006/main">
+  <p:cSld>
+    <p:spTree>
+      <p:nvGrpSpPr>
+        <p:cNvPr id="1" name=""/>
+        <p:cNvGrpSpPr/>
+        <p:nvPr/>
+      </p:nvGrpSpPr>
+      <p:grpSpPr>
+        <a:xfrm>
+          <a:off x="0" y="0"/>
+          <a:ext cx="0" cy="0"/>
+          <a:chOff x="0" y="0"/>
+          <a:chExt cx="0" cy="0"/>
+        </a:xfrm>
+      </p:grpSpPr>
+      <p:sp>
+        <p:nvSpPr>
+          <p:cNvPr id="4" name="Oval 72">
+            <a:extLst>
+              <a:ext uri="{FF2B5EF4-FFF2-40B4-BE49-F238E27FC236}">
+                <a16:creationId xmlns:a16="http://schemas.microsoft.com/office/drawing/2014/main" id="{B32EF9B2-5317-AEB9-39B5-FDBB5DB1DC47}"/>
+              </a:ext>
+            </a:extLst>
+          </p:cNvPr>
+          <p:cNvSpPr/>
+          <p:nvPr/>
+        </p:nvSpPr>
+        <p:spPr>
+          <a:xfrm>
+            <a:off x="6883879" y="2346138"/>
+            <a:ext cx="2027803" cy="2027803"/>
+          </a:xfrm>
+          <a:prstGeom prst="ellipse">
+            <a:avLst/>
+          </a:prstGeom>
+        </p:spPr>
+        <p:style>
+          <a:lnRef idx="2">
+            <a:schemeClr val="accent1">
+              <a:shade val="50000"/>
+            </a:schemeClr>
+          </a:lnRef>
+          <a:fillRef idx="1">
+            <a:schemeClr val="accent1"/>
+          </a:fillRef>
+          <a:effectRef idx="0">
+            <a:schemeClr val="accent1"/>
+          </a:effectRef>
+          <a:fontRef idx="minor">
+            <a:schemeClr val="lt1"/>
+          </a:fontRef>
+        </p:style>
+        <p:txBody>
+          <a:bodyPr rtlCol="0" anchor="ctr"/>
+          <a:lstStyle/>
+          <a:p>
+            <a:pPr algn="ctr"/>
+            <a:endParaRPr lang="en-AT"/>
+          </a:p>
+        </p:txBody>
+      </p:sp>
+      <p:cxnSp>
+        <p:nvCxnSpPr>
+          <p:cNvPr id="5" name="Straight Arrow Connector 88">
+            <a:extLst>
+              <a:ext uri="{FF2B5EF4-FFF2-40B4-BE49-F238E27FC236}">
+                <a16:creationId xmlns:a16="http://schemas.microsoft.com/office/drawing/2014/main" id="{691C8416-55EA-5679-0868-902380497AAE}"/>
+              </a:ext>
+            </a:extLst>
+          </p:cNvPr>
+          <p:cNvCxnSpPr>
+            <a:cxnSpLocks/>
+          </p:cNvCxnSpPr>
+          <p:nvPr/>
+        </p:nvCxnSpPr>
+        <p:spPr>
+          <a:xfrm>
+            <a:off x="5003198" y="3252148"/>
+            <a:ext cx="1880681" cy="0"/>
+          </a:xfrm>
+          <a:prstGeom prst="straightConnector1">
+            <a:avLst/>
+          </a:prstGeom>
+          <a:ln w="12700">
+            <a:tailEnd type="triangle" w="lg" len="lg"/>
+          </a:ln>
+        </p:spPr>
+        <p:style>
+          <a:lnRef idx="1">
+            <a:schemeClr val="accent4"/>
+          </a:lnRef>
+          <a:fillRef idx="0">
+            <a:schemeClr val="accent4"/>
+          </a:fillRef>
+          <a:effectRef idx="0">
+            <a:schemeClr val="accent4"/>
+          </a:effectRef>
+          <a:fontRef idx="minor">
+            <a:schemeClr val="tx1"/>
+          </a:fontRef>
+        </p:style>
+      </p:cxnSp>
+      <p:cxnSp>
+        <p:nvCxnSpPr>
+          <p:cNvPr id="7" name="Straight Arrow Connector 88">
+            <a:extLst>
+              <a:ext uri="{FF2B5EF4-FFF2-40B4-BE49-F238E27FC236}">
+                <a16:creationId xmlns:a16="http://schemas.microsoft.com/office/drawing/2014/main" id="{E7CBFEA6-5114-B6A5-D0BC-E9739B0BD6DB}"/>
+              </a:ext>
+            </a:extLst>
+          </p:cNvPr>
+          <p:cNvCxnSpPr>
+            <a:cxnSpLocks/>
+          </p:cNvCxnSpPr>
+          <p:nvPr/>
+        </p:nvCxnSpPr>
+        <p:spPr>
+          <a:xfrm>
+            <a:off x="5003198" y="3549770"/>
+            <a:ext cx="1880681" cy="0"/>
+          </a:xfrm>
+          <a:prstGeom prst="straightConnector1">
+            <a:avLst/>
+          </a:prstGeom>
+          <a:ln w="12700">
+            <a:tailEnd type="triangle" w="lg" len="lg"/>
+          </a:ln>
+        </p:spPr>
+        <p:style>
+          <a:lnRef idx="1">
+            <a:schemeClr val="accent4"/>
+          </a:lnRef>
+          <a:fillRef idx="0">
+            <a:schemeClr val="accent4"/>
+          </a:fillRef>
+          <a:effectRef idx="0">
+            <a:schemeClr val="accent4"/>
+          </a:effectRef>
+          <a:fontRef idx="minor">
+            <a:schemeClr val="tx1"/>
+          </a:fontRef>
+        </p:style>
+      </p:cxnSp>
+      <p:cxnSp>
+        <p:nvCxnSpPr>
+          <p:cNvPr id="8" name="Straight Arrow Connector 88">
+            <a:extLst>
+              <a:ext uri="{FF2B5EF4-FFF2-40B4-BE49-F238E27FC236}">
+                <a16:creationId xmlns:a16="http://schemas.microsoft.com/office/drawing/2014/main" id="{EE8E0699-0DFB-298E-6211-EE3672A7F9A1}"/>
+              </a:ext>
+            </a:extLst>
+          </p:cNvPr>
+          <p:cNvCxnSpPr>
+            <a:cxnSpLocks/>
+          </p:cNvCxnSpPr>
+          <p:nvPr/>
+        </p:nvCxnSpPr>
+        <p:spPr>
+          <a:xfrm>
+            <a:off x="4968694" y="3827243"/>
+            <a:ext cx="2033142" cy="0"/>
+          </a:xfrm>
+          <a:prstGeom prst="straightConnector1">
+            <a:avLst/>
+          </a:prstGeom>
+          <a:ln w="12700">
+            <a:tailEnd type="triangle" w="lg" len="lg"/>
+          </a:ln>
+        </p:spPr>
+        <p:style>
+          <a:lnRef idx="1">
+            <a:schemeClr val="accent4"/>
+          </a:lnRef>
+          <a:fillRef idx="0">
+            <a:schemeClr val="accent4"/>
+          </a:fillRef>
+          <a:effectRef idx="0">
+            <a:schemeClr val="accent4"/>
+          </a:effectRef>
+          <a:fontRef idx="minor">
+            <a:schemeClr val="tx1"/>
+          </a:fontRef>
+        </p:style>
+      </p:cxnSp>
+      <p:cxnSp>
+        <p:nvCxnSpPr>
+          <p:cNvPr id="10" name="Straight Arrow Connector 88">
+            <a:extLst>
+              <a:ext uri="{FF2B5EF4-FFF2-40B4-BE49-F238E27FC236}">
+                <a16:creationId xmlns:a16="http://schemas.microsoft.com/office/drawing/2014/main" id="{B89657EC-2443-9672-8E96-D95E67EC14F9}"/>
+              </a:ext>
+            </a:extLst>
+          </p:cNvPr>
+          <p:cNvCxnSpPr>
+            <a:cxnSpLocks/>
+          </p:cNvCxnSpPr>
+          <p:nvPr/>
+        </p:nvCxnSpPr>
+        <p:spPr>
+          <a:xfrm>
+            <a:off x="4931311" y="2978978"/>
+            <a:ext cx="2033142" cy="0"/>
+          </a:xfrm>
+          <a:prstGeom prst="straightConnector1">
+            <a:avLst/>
+          </a:prstGeom>
+          <a:ln w="12700">
+            <a:tailEnd type="triangle" w="lg" len="lg"/>
+          </a:ln>
+        </p:spPr>
+        <p:style>
+          <a:lnRef idx="1">
+            <a:schemeClr val="accent4"/>
+          </a:lnRef>
+          <a:fillRef idx="0">
+            <a:schemeClr val="accent4"/>
+          </a:fillRef>
+          <a:effectRef idx="0">
+            <a:schemeClr val="accent4"/>
+          </a:effectRef>
+          <a:fontRef idx="minor">
+            <a:schemeClr val="tx1"/>
+          </a:fontRef>
+        </p:style>
+      </p:cxnSp>
+      <p:cxnSp>
+        <p:nvCxnSpPr>
+          <p:cNvPr id="11" name="Straight Arrow Connector 88">
+            <a:extLst>
+              <a:ext uri="{FF2B5EF4-FFF2-40B4-BE49-F238E27FC236}">
+                <a16:creationId xmlns:a16="http://schemas.microsoft.com/office/drawing/2014/main" id="{7C209429-DF89-755A-557D-9640D7A74E95}"/>
+              </a:ext>
+            </a:extLst>
+          </p:cNvPr>
+          <p:cNvCxnSpPr>
+            <a:cxnSpLocks/>
+          </p:cNvCxnSpPr>
+          <p:nvPr/>
+        </p:nvCxnSpPr>
+        <p:spPr>
+          <a:xfrm>
+            <a:off x="5083711" y="2700057"/>
+            <a:ext cx="2033142" cy="0"/>
+          </a:xfrm>
+          <a:prstGeom prst="straightConnector1">
+            <a:avLst/>
+          </a:prstGeom>
+          <a:ln w="12700">
+            <a:tailEnd type="triangle" w="lg" len="lg"/>
+          </a:ln>
+        </p:spPr>
+        <p:style>
+          <a:lnRef idx="1">
+            <a:schemeClr val="accent4"/>
+          </a:lnRef>
+          <a:fillRef idx="0">
+            <a:schemeClr val="accent4"/>
+          </a:fillRef>
+          <a:effectRef idx="0">
+            <a:schemeClr val="accent4"/>
+          </a:effectRef>
+          <a:fontRef idx="minor">
+            <a:schemeClr val="tx1"/>
+          </a:fontRef>
+        </p:style>
+      </p:cxnSp>
+      <p:cxnSp>
+        <p:nvCxnSpPr>
+          <p:cNvPr id="12" name="Straight Arrow Connector 88">
+            <a:extLst>
+              <a:ext uri="{FF2B5EF4-FFF2-40B4-BE49-F238E27FC236}">
+                <a16:creationId xmlns:a16="http://schemas.microsoft.com/office/drawing/2014/main" id="{7A72D0F5-626F-CC18-5BBE-9C8FFA458B17}"/>
+              </a:ext>
+            </a:extLst>
+          </p:cNvPr>
+          <p:cNvCxnSpPr>
+            <a:cxnSpLocks/>
+          </p:cNvCxnSpPr>
+          <p:nvPr/>
+        </p:nvCxnSpPr>
+        <p:spPr>
+          <a:xfrm>
+            <a:off x="5164227" y="4091791"/>
+            <a:ext cx="2033142" cy="0"/>
+          </a:xfrm>
+          <a:prstGeom prst="straightConnector1">
+            <a:avLst/>
+          </a:prstGeom>
+          <a:ln w="12700">
+            <a:tailEnd type="triangle" w="lg" len="lg"/>
+          </a:ln>
+        </p:spPr>
+        <p:style>
+          <a:lnRef idx="1">
+            <a:schemeClr val="accent4"/>
+          </a:lnRef>
+          <a:fillRef idx="0">
+            <a:schemeClr val="accent4"/>
+          </a:fillRef>
+          <a:effectRef idx="0">
+            <a:schemeClr val="accent4"/>
+          </a:effectRef>
+          <a:fontRef idx="minor">
+            <a:schemeClr val="tx1"/>
+          </a:fontRef>
+        </p:style>
+      </p:cxnSp>
+    </p:spTree>
+    <p:extLst>
+      <p:ext uri="{BB962C8B-B14F-4D97-AF65-F5344CB8AC3E}">
+        <p14:creationId xmlns:p14="http://schemas.microsoft.com/office/powerpoint/2010/main" val="729057959"/>
+      </p:ext>
+    </p:extLst>
+  </p:cSld>
+  <p:clrMapOvr>
+    <a:masterClrMapping/>
+  </p:clrMapOvr>
+</p:sld>
+</file>
+
 <file path=ppt/theme/theme1.xml><?xml version="1.0" encoding="utf-8"?>
 <a:theme xmlns:a="http://schemas.openxmlformats.org/drawingml/2006/main" name="Office Theme">
   <a:themeElements>
